--- a/README.pptx
+++ b/README.pptx
@@ -3403,13 +3403,30 @@
         </p:nvSpPr>
         <p:spPr/>
         <p:txBody>
-          <a:bodyPr/>
+          <a:bodyPr>
+            <a:normAutofit lnSpcReduction="10000"/>
+          </a:bodyPr>
           <a:lstStyle/>
           <a:p>
             <a:r>
               <a:rPr lang="en-GB" dirty="0"/>
               <a:t>-README-</a:t>
             </a:r>
+          </a:p>
+          <a:p>
+            <a:endParaRPr lang="en-GB" dirty="0"/>
+          </a:p>
+          <a:p>
+            <a:endParaRPr lang="en-GB" dirty="0"/>
+          </a:p>
+          <a:p>
+            <a:r>
+              <a:rPr lang="en-GB" sz="1600" dirty="0">
+                <a:hlinkClick r:id="rId2"/>
+              </a:rPr>
+              <a:t>GitHub link</a:t>
+            </a:r>
+            <a:endParaRPr lang="en-GB" sz="1600" dirty="0"/>
           </a:p>
         </p:txBody>
       </p:sp>
@@ -9216,7 +9233,7 @@
         <p:spPr>
           <a:xfrm>
             <a:off x="697221" y="3429000"/>
-            <a:ext cx="10877006" cy="369332"/>
+            <a:ext cx="10877006" cy="646331"/>
           </a:xfrm>
           <a:prstGeom prst="rect">
             <a:avLst/>
@@ -9230,7 +9247,7 @@
           <a:p>
             <a:r>
               <a:rPr lang="en-GB" dirty="0"/>
-              <a:t>The 3 datasets (</a:t>
+              <a:t>By default, he 3 datasets (</a:t>
             </a:r>
             <a:r>
               <a:rPr lang="en-GB" dirty="0" err="1"/>
@@ -9561,6 +9578,262 @@
               <a:t>8</a:t>
             </a:fld>
             <a:endParaRPr lang="en-GB"/>
+          </a:p>
+        </p:txBody>
+      </p:sp>
+      <p:sp>
+        <p:nvSpPr>
+          <p:cNvPr id="6" name="Rectangle 5">
+            <a:extLst>
+              <a:ext uri="{FF2B5EF4-FFF2-40B4-BE49-F238E27FC236}">
+                <a16:creationId xmlns:a16="http://schemas.microsoft.com/office/drawing/2014/main" id="{5A7417F7-FB38-422D-A4F8-4E306CD9FA50}"/>
+              </a:ext>
+            </a:extLst>
+          </p:cNvPr>
+          <p:cNvSpPr/>
+          <p:nvPr/>
+        </p:nvSpPr>
+        <p:spPr>
+          <a:xfrm>
+            <a:off x="657497" y="2406818"/>
+            <a:ext cx="10877006" cy="400110"/>
+          </a:xfrm>
+          <a:prstGeom prst="rect">
+            <a:avLst/>
+          </a:prstGeom>
+        </p:spPr>
+        <p:txBody>
+          <a:bodyPr wrap="square">
+            <a:spAutoFit/>
+          </a:bodyPr>
+          <a:lstStyle/>
+          <a:p>
+            <a:r>
+              <a:rPr lang="en-GB" sz="2000" dirty="0"/>
+              <a:t>An other optional flag can be added in order to select which datasets to download. </a:t>
+            </a:r>
+          </a:p>
+        </p:txBody>
+      </p:sp>
+      <p:sp>
+        <p:nvSpPr>
+          <p:cNvPr id="8" name="Rectangle 7">
+            <a:extLst>
+              <a:ext uri="{FF2B5EF4-FFF2-40B4-BE49-F238E27FC236}">
+                <a16:creationId xmlns:a16="http://schemas.microsoft.com/office/drawing/2014/main" id="{82C1D030-12E2-4565-B76C-1F12BBA2A560}"/>
+              </a:ext>
+            </a:extLst>
+          </p:cNvPr>
+          <p:cNvSpPr>
+            <a:spLocks noChangeArrowheads="1"/>
+          </p:cNvSpPr>
+          <p:nvPr/>
+        </p:nvSpPr>
+        <p:spPr bwMode="auto">
+          <a:xfrm>
+            <a:off x="1441704" y="3336667"/>
+            <a:ext cx="3344092" cy="184666"/>
+          </a:xfrm>
+          <a:prstGeom prst="rect">
+            <a:avLst/>
+          </a:prstGeom>
+          <a:solidFill>
+            <a:srgbClr val="EEEEEE"/>
+          </a:solidFill>
+          <a:ln>
+            <a:noFill/>
+          </a:ln>
+          <a:effectLst/>
+          <a:extLst>
+            <a:ext uri="{91240B29-F687-4F45-9708-019B960494DF}">
+              <a14:hiddenLine xmlns:a14="http://schemas.microsoft.com/office/drawing/2010/main" w="9525">
+                <a:solidFill>
+                  <a:schemeClr val="tx1"/>
+                </a:solidFill>
+                <a:miter lim="800000"/>
+                <a:headEnd/>
+                <a:tailEnd/>
+              </a14:hiddenLine>
+            </a:ext>
+            <a:ext uri="{AF507438-7753-43E0-B8FC-AC1667EBCBE1}">
+              <a14:hiddenEffects xmlns:a14="http://schemas.microsoft.com/office/drawing/2010/main">
+                <a:effectLst>
+                  <a:outerShdw dist="35921" dir="2700000" algn="ctr" rotWithShape="0">
+                    <a:schemeClr val="bg2"/>
+                  </a:outerShdw>
+                </a:effectLst>
+              </a14:hiddenEffects>
+            </a:ext>
+          </a:extLst>
+        </p:spPr>
+        <p:txBody>
+          <a:bodyPr vert="horz" wrap="square" lIns="0" tIns="0" rIns="0" bIns="0" numCol="1" anchor="ctr" anchorCtr="0" compatLnSpc="1">
+            <a:prstTxWarp prst="textNoShape">
+              <a:avLst/>
+            </a:prstTxWarp>
+            <a:spAutoFit/>
+          </a:bodyPr>
+          <a:lstStyle>
+            <a:lvl1pPr eaLnBrk="0" fontAlgn="base" hangingPunct="0">
+              <a:spcBef>
+                <a:spcPct val="30000"/>
+              </a:spcBef>
+              <a:spcAft>
+                <a:spcPct val="0"/>
+              </a:spcAft>
+              <a:defRPr sz="1200">
+                <a:solidFill>
+                  <a:schemeClr val="tx1"/>
+                </a:solidFill>
+                <a:latin typeface="Arial" panose="020B0604020202020204" pitchFamily="34" charset="0"/>
+              </a:defRPr>
+            </a:lvl1pPr>
+            <a:lvl2pPr eaLnBrk="0" fontAlgn="base" hangingPunct="0">
+              <a:spcBef>
+                <a:spcPct val="30000"/>
+              </a:spcBef>
+              <a:spcAft>
+                <a:spcPct val="0"/>
+              </a:spcAft>
+              <a:defRPr sz="1200">
+                <a:solidFill>
+                  <a:schemeClr val="tx1"/>
+                </a:solidFill>
+                <a:latin typeface="Arial" panose="020B0604020202020204" pitchFamily="34" charset="0"/>
+              </a:defRPr>
+            </a:lvl2pPr>
+            <a:lvl3pPr eaLnBrk="0" fontAlgn="base" hangingPunct="0">
+              <a:spcBef>
+                <a:spcPct val="30000"/>
+              </a:spcBef>
+              <a:spcAft>
+                <a:spcPct val="0"/>
+              </a:spcAft>
+              <a:defRPr sz="1200">
+                <a:solidFill>
+                  <a:schemeClr val="tx1"/>
+                </a:solidFill>
+                <a:latin typeface="Arial" panose="020B0604020202020204" pitchFamily="34" charset="0"/>
+              </a:defRPr>
+            </a:lvl3pPr>
+            <a:lvl4pPr eaLnBrk="0" fontAlgn="base" hangingPunct="0">
+              <a:spcBef>
+                <a:spcPct val="30000"/>
+              </a:spcBef>
+              <a:spcAft>
+                <a:spcPct val="0"/>
+              </a:spcAft>
+              <a:defRPr sz="1200">
+                <a:solidFill>
+                  <a:schemeClr val="tx1"/>
+                </a:solidFill>
+                <a:latin typeface="Arial" panose="020B0604020202020204" pitchFamily="34" charset="0"/>
+              </a:defRPr>
+            </a:lvl4pPr>
+            <a:lvl5pPr eaLnBrk="0" fontAlgn="base" hangingPunct="0">
+              <a:spcBef>
+                <a:spcPct val="30000"/>
+              </a:spcBef>
+              <a:spcAft>
+                <a:spcPct val="0"/>
+              </a:spcAft>
+              <a:defRPr sz="1200">
+                <a:solidFill>
+                  <a:schemeClr val="tx1"/>
+                </a:solidFill>
+                <a:latin typeface="Arial" panose="020B0604020202020204" pitchFamily="34" charset="0"/>
+              </a:defRPr>
+            </a:lvl5pPr>
+            <a:lvl6pPr eaLnBrk="0" fontAlgn="base" hangingPunct="0">
+              <a:spcBef>
+                <a:spcPct val="30000"/>
+              </a:spcBef>
+              <a:spcAft>
+                <a:spcPct val="0"/>
+              </a:spcAft>
+              <a:defRPr sz="1200">
+                <a:solidFill>
+                  <a:schemeClr val="tx1"/>
+                </a:solidFill>
+                <a:latin typeface="Arial" panose="020B0604020202020204" pitchFamily="34" charset="0"/>
+              </a:defRPr>
+            </a:lvl6pPr>
+            <a:lvl7pPr eaLnBrk="0" fontAlgn="base" hangingPunct="0">
+              <a:spcBef>
+                <a:spcPct val="30000"/>
+              </a:spcBef>
+              <a:spcAft>
+                <a:spcPct val="0"/>
+              </a:spcAft>
+              <a:defRPr sz="1200">
+                <a:solidFill>
+                  <a:schemeClr val="tx1"/>
+                </a:solidFill>
+                <a:latin typeface="Arial" panose="020B0604020202020204" pitchFamily="34" charset="0"/>
+              </a:defRPr>
+            </a:lvl7pPr>
+            <a:lvl8pPr eaLnBrk="0" fontAlgn="base" hangingPunct="0">
+              <a:spcBef>
+                <a:spcPct val="30000"/>
+              </a:spcBef>
+              <a:spcAft>
+                <a:spcPct val="0"/>
+              </a:spcAft>
+              <a:defRPr sz="1200">
+                <a:solidFill>
+                  <a:schemeClr val="tx1"/>
+                </a:solidFill>
+                <a:latin typeface="Arial" panose="020B0604020202020204" pitchFamily="34" charset="0"/>
+              </a:defRPr>
+            </a:lvl8pPr>
+            <a:lvl9pPr eaLnBrk="0" fontAlgn="base" hangingPunct="0">
+              <a:spcBef>
+                <a:spcPct val="30000"/>
+              </a:spcBef>
+              <a:spcAft>
+                <a:spcPct val="0"/>
+              </a:spcAft>
+              <a:defRPr sz="1200">
+                <a:solidFill>
+                  <a:schemeClr val="tx1"/>
+                </a:solidFill>
+                <a:latin typeface="Arial" panose="020B0604020202020204" pitchFamily="34" charset="0"/>
+              </a:defRPr>
+            </a:lvl9pPr>
+          </a:lstStyle>
+          <a:p>
+            <a:pPr marL="0" marR="0" lvl="0" indent="0" algn="l" defTabSz="914400" rtl="0" eaLnBrk="0" fontAlgn="base" latinLnBrk="0" hangingPunct="0">
+              <a:lnSpc>
+                <a:spcPct val="100000"/>
+              </a:lnSpc>
+              <a:spcBef>
+                <a:spcPct val="30000"/>
+              </a:spcBef>
+              <a:spcAft>
+                <a:spcPct val="0"/>
+              </a:spcAft>
+              <a:buClrTx/>
+              <a:buSzTx/>
+              <a:buFontTx/>
+              <a:buNone/>
+              <a:tabLst/>
+            </a:pPr>
+            <a:r>
+              <a:rPr lang="en-US" altLang="en-US" dirty="0">
+                <a:latin typeface="Lucida Console" panose="020B0609040504020204" pitchFamily="49" charset="0"/>
+              </a:rPr>
+              <a:t>python LIA_download.py –select</a:t>
+            </a:r>
+            <a:endParaRPr kumimoji="0" lang="en-US" altLang="en-US" sz="1200" b="0" i="0" u="none" strike="noStrike" cap="none" normalizeH="0" baseline="0" dirty="0">
+              <a:ln>
+                <a:noFill/>
+              </a:ln>
+              <a:solidFill>
+                <a:schemeClr val="tx1"/>
+              </a:solidFill>
+              <a:effectLst/>
+              <a:latin typeface="Lucida Console" panose="020B0609040504020204" pitchFamily="49" charset="0"/>
+            </a:endParaRPr>
           </a:p>
         </p:txBody>
       </p:sp>

--- a/README.pptx
+++ b/README.pptx
@@ -270,7 +270,7 @@
           <a:p>
             <a:fld id="{21C7BDE4-4BAE-4229-9A3A-3F20D532C5F9}" type="datetimeFigureOut">
               <a:rPr lang="en-GB" smtClean="0"/>
-              <a:t>06/05/2022</a:t>
+              <a:t>09/05/2022</a:t>
             </a:fld>
             <a:endParaRPr lang="en-GB"/>
           </a:p>
@@ -470,7 +470,7 @@
           <a:p>
             <a:fld id="{21C7BDE4-4BAE-4229-9A3A-3F20D532C5F9}" type="datetimeFigureOut">
               <a:rPr lang="en-GB" smtClean="0"/>
-              <a:t>06/05/2022</a:t>
+              <a:t>09/05/2022</a:t>
             </a:fld>
             <a:endParaRPr lang="en-GB"/>
           </a:p>
@@ -680,7 +680,7 @@
           <a:p>
             <a:fld id="{21C7BDE4-4BAE-4229-9A3A-3F20D532C5F9}" type="datetimeFigureOut">
               <a:rPr lang="en-GB" smtClean="0"/>
-              <a:t>06/05/2022</a:t>
+              <a:t>09/05/2022</a:t>
             </a:fld>
             <a:endParaRPr lang="en-GB"/>
           </a:p>
@@ -880,7 +880,7 @@
           <a:p>
             <a:fld id="{21C7BDE4-4BAE-4229-9A3A-3F20D532C5F9}" type="datetimeFigureOut">
               <a:rPr lang="en-GB" smtClean="0"/>
-              <a:t>06/05/2022</a:t>
+              <a:t>09/05/2022</a:t>
             </a:fld>
             <a:endParaRPr lang="en-GB"/>
           </a:p>
@@ -1156,7 +1156,7 @@
           <a:p>
             <a:fld id="{21C7BDE4-4BAE-4229-9A3A-3F20D532C5F9}" type="datetimeFigureOut">
               <a:rPr lang="en-GB" smtClean="0"/>
-              <a:t>06/05/2022</a:t>
+              <a:t>09/05/2022</a:t>
             </a:fld>
             <a:endParaRPr lang="en-GB"/>
           </a:p>
@@ -1424,7 +1424,7 @@
           <a:p>
             <a:fld id="{21C7BDE4-4BAE-4229-9A3A-3F20D532C5F9}" type="datetimeFigureOut">
               <a:rPr lang="en-GB" smtClean="0"/>
-              <a:t>06/05/2022</a:t>
+              <a:t>09/05/2022</a:t>
             </a:fld>
             <a:endParaRPr lang="en-GB"/>
           </a:p>
@@ -1839,7 +1839,7 @@
           <a:p>
             <a:fld id="{21C7BDE4-4BAE-4229-9A3A-3F20D532C5F9}" type="datetimeFigureOut">
               <a:rPr lang="en-GB" smtClean="0"/>
-              <a:t>06/05/2022</a:t>
+              <a:t>09/05/2022</a:t>
             </a:fld>
             <a:endParaRPr lang="en-GB"/>
           </a:p>
@@ -1981,7 +1981,7 @@
           <a:p>
             <a:fld id="{21C7BDE4-4BAE-4229-9A3A-3F20D532C5F9}" type="datetimeFigureOut">
               <a:rPr lang="en-GB" smtClean="0"/>
-              <a:t>06/05/2022</a:t>
+              <a:t>09/05/2022</a:t>
             </a:fld>
             <a:endParaRPr lang="en-GB"/>
           </a:p>
@@ -2094,7 +2094,7 @@
           <a:p>
             <a:fld id="{21C7BDE4-4BAE-4229-9A3A-3F20D532C5F9}" type="datetimeFigureOut">
               <a:rPr lang="en-GB" smtClean="0"/>
-              <a:t>06/05/2022</a:t>
+              <a:t>09/05/2022</a:t>
             </a:fld>
             <a:endParaRPr lang="en-GB"/>
           </a:p>
@@ -2407,7 +2407,7 @@
           <a:p>
             <a:fld id="{21C7BDE4-4BAE-4229-9A3A-3F20D532C5F9}" type="datetimeFigureOut">
               <a:rPr lang="en-GB" smtClean="0"/>
-              <a:t>06/05/2022</a:t>
+              <a:t>09/05/2022</a:t>
             </a:fld>
             <a:endParaRPr lang="en-GB"/>
           </a:p>
@@ -2696,7 +2696,7 @@
           <a:p>
             <a:fld id="{21C7BDE4-4BAE-4229-9A3A-3F20D532C5F9}" type="datetimeFigureOut">
               <a:rPr lang="en-GB" smtClean="0"/>
-              <a:t>06/05/2022</a:t>
+              <a:t>09/05/2022</a:t>
             </a:fld>
             <a:endParaRPr lang="en-GB"/>
           </a:p>
@@ -2939,7 +2939,7 @@
           <a:p>
             <a:fld id="{21C7BDE4-4BAE-4229-9A3A-3F20D532C5F9}" type="datetimeFigureOut">
               <a:rPr lang="en-GB" smtClean="0"/>
-              <a:t>06/05/2022</a:t>
+              <a:t>09/05/2022</a:t>
             </a:fld>
             <a:endParaRPr lang="en-GB"/>
           </a:p>
@@ -4486,7 +4486,7 @@
               <a:rPr lang="en-GB" dirty="0">
                 <a:latin typeface="Lucida Console" panose="020B0609040504020204" pitchFamily="49" charset="0"/>
               </a:rPr>
-              <a:t>scripts</a:t>
+              <a:t>utils</a:t>
             </a:r>
           </a:p>
         </p:txBody>
@@ -6219,7 +6219,7 @@
               <a:rPr lang="en-GB" dirty="0">
                 <a:latin typeface="Lucida Console" panose="020B0609040504020204" pitchFamily="49" charset="0"/>
               </a:rPr>
-              <a:t>scripts</a:t>
+              <a:t>utils</a:t>
             </a:r>
           </a:p>
         </p:txBody>

--- a/README.pptx
+++ b/README.pptx
@@ -8,7 +8,7 @@
     <p:sldId id="256" r:id="rId2"/>
     <p:sldId id="270" r:id="rId3"/>
     <p:sldId id="281" r:id="rId4"/>
-    <p:sldId id="286" r:id="rId5"/>
+    <p:sldId id="289" r:id="rId5"/>
     <p:sldId id="269" r:id="rId6"/>
     <p:sldId id="283" r:id="rId7"/>
     <p:sldId id="287" r:id="rId8"/>
@@ -270,7 +270,7 @@
           <a:p>
             <a:fld id="{21C7BDE4-4BAE-4229-9A3A-3F20D532C5F9}" type="datetimeFigureOut">
               <a:rPr lang="en-GB" smtClean="0"/>
-              <a:t>09/05/2022</a:t>
+              <a:t>05/07/2022</a:t>
             </a:fld>
             <a:endParaRPr lang="en-GB"/>
           </a:p>
@@ -470,7 +470,7 @@
           <a:p>
             <a:fld id="{21C7BDE4-4BAE-4229-9A3A-3F20D532C5F9}" type="datetimeFigureOut">
               <a:rPr lang="en-GB" smtClean="0"/>
-              <a:t>09/05/2022</a:t>
+              <a:t>05/07/2022</a:t>
             </a:fld>
             <a:endParaRPr lang="en-GB"/>
           </a:p>
@@ -680,7 +680,7 @@
           <a:p>
             <a:fld id="{21C7BDE4-4BAE-4229-9A3A-3F20D532C5F9}" type="datetimeFigureOut">
               <a:rPr lang="en-GB" smtClean="0"/>
-              <a:t>09/05/2022</a:t>
+              <a:t>05/07/2022</a:t>
             </a:fld>
             <a:endParaRPr lang="en-GB"/>
           </a:p>
@@ -880,7 +880,7 @@
           <a:p>
             <a:fld id="{21C7BDE4-4BAE-4229-9A3A-3F20D532C5F9}" type="datetimeFigureOut">
               <a:rPr lang="en-GB" smtClean="0"/>
-              <a:t>09/05/2022</a:t>
+              <a:t>05/07/2022</a:t>
             </a:fld>
             <a:endParaRPr lang="en-GB"/>
           </a:p>
@@ -1156,7 +1156,7 @@
           <a:p>
             <a:fld id="{21C7BDE4-4BAE-4229-9A3A-3F20D532C5F9}" type="datetimeFigureOut">
               <a:rPr lang="en-GB" smtClean="0"/>
-              <a:t>09/05/2022</a:t>
+              <a:t>05/07/2022</a:t>
             </a:fld>
             <a:endParaRPr lang="en-GB"/>
           </a:p>
@@ -1424,7 +1424,7 @@
           <a:p>
             <a:fld id="{21C7BDE4-4BAE-4229-9A3A-3F20D532C5F9}" type="datetimeFigureOut">
               <a:rPr lang="en-GB" smtClean="0"/>
-              <a:t>09/05/2022</a:t>
+              <a:t>05/07/2022</a:t>
             </a:fld>
             <a:endParaRPr lang="en-GB"/>
           </a:p>
@@ -1839,7 +1839,7 @@
           <a:p>
             <a:fld id="{21C7BDE4-4BAE-4229-9A3A-3F20D532C5F9}" type="datetimeFigureOut">
               <a:rPr lang="en-GB" smtClean="0"/>
-              <a:t>09/05/2022</a:t>
+              <a:t>05/07/2022</a:t>
             </a:fld>
             <a:endParaRPr lang="en-GB"/>
           </a:p>
@@ -1981,7 +1981,7 @@
           <a:p>
             <a:fld id="{21C7BDE4-4BAE-4229-9A3A-3F20D532C5F9}" type="datetimeFigureOut">
               <a:rPr lang="en-GB" smtClean="0"/>
-              <a:t>09/05/2022</a:t>
+              <a:t>05/07/2022</a:t>
             </a:fld>
             <a:endParaRPr lang="en-GB"/>
           </a:p>
@@ -2094,7 +2094,7 @@
           <a:p>
             <a:fld id="{21C7BDE4-4BAE-4229-9A3A-3F20D532C5F9}" type="datetimeFigureOut">
               <a:rPr lang="en-GB" smtClean="0"/>
-              <a:t>09/05/2022</a:t>
+              <a:t>05/07/2022</a:t>
             </a:fld>
             <a:endParaRPr lang="en-GB"/>
           </a:p>
@@ -2407,7 +2407,7 @@
           <a:p>
             <a:fld id="{21C7BDE4-4BAE-4229-9A3A-3F20D532C5F9}" type="datetimeFigureOut">
               <a:rPr lang="en-GB" smtClean="0"/>
-              <a:t>09/05/2022</a:t>
+              <a:t>05/07/2022</a:t>
             </a:fld>
             <a:endParaRPr lang="en-GB"/>
           </a:p>
@@ -2696,7 +2696,7 @@
           <a:p>
             <a:fld id="{21C7BDE4-4BAE-4229-9A3A-3F20D532C5F9}" type="datetimeFigureOut">
               <a:rPr lang="en-GB" smtClean="0"/>
-              <a:t>09/05/2022</a:t>
+              <a:t>05/07/2022</a:t>
             </a:fld>
             <a:endParaRPr lang="en-GB"/>
           </a:p>
@@ -2939,7 +2939,7 @@
           <a:p>
             <a:fld id="{21C7BDE4-4BAE-4229-9A3A-3F20D532C5F9}" type="datetimeFigureOut">
               <a:rPr lang="en-GB" smtClean="0"/>
-              <a:t>09/05/2022</a:t>
+              <a:t>05/07/2022</a:t>
             </a:fld>
             <a:endParaRPr lang="en-GB"/>
           </a:p>
@@ -4319,8 +4319,8 @@
         </p:blipFill>
         <p:spPr bwMode="auto">
           <a:xfrm>
-            <a:off x="3729330" y="3122919"/>
-            <a:ext cx="360517" cy="360517"/>
+            <a:off x="3719800" y="3114907"/>
+            <a:ext cx="329000" cy="329000"/>
           </a:xfrm>
           <a:prstGeom prst="rect">
             <a:avLst/>
@@ -4499,7 +4499,7 @@
         </p:nvSpPr>
         <p:spPr>
           <a:xfrm>
-            <a:off x="4045701" y="2772665"/>
+            <a:off x="3999162" y="3122398"/>
             <a:ext cx="2495006" cy="307777"/>
           </a:xfrm>
           <a:prstGeom prst="rect">
@@ -4592,7 +4592,7 @@
         </p:nvSpPr>
         <p:spPr>
           <a:xfrm>
-            <a:off x="6641982" y="3079387"/>
+            <a:off x="6623823" y="3403755"/>
             <a:ext cx="4885508" cy="369332"/>
           </a:xfrm>
           <a:prstGeom prst="rect">
@@ -4621,7 +4621,7 @@
         </p:nvSpPr>
         <p:spPr>
           <a:xfrm>
-            <a:off x="6623823" y="2662549"/>
+            <a:off x="6623823" y="3064089"/>
             <a:ext cx="4885508" cy="369332"/>
           </a:xfrm>
           <a:prstGeom prst="rect">
@@ -4650,7 +4650,7 @@
         </p:nvSpPr>
         <p:spPr>
           <a:xfrm>
-            <a:off x="6641982" y="3442805"/>
+            <a:off x="6623823" y="3703424"/>
             <a:ext cx="4885508" cy="369332"/>
           </a:xfrm>
           <a:prstGeom prst="rect">
@@ -5046,8 +5046,8 @@
         </p:nvCxnSpPr>
         <p:spPr>
           <a:xfrm flipH="1">
-            <a:off x="3382860" y="2777643"/>
-            <a:ext cx="7" cy="844544"/>
+            <a:off x="3382867" y="2777643"/>
+            <a:ext cx="1" cy="1034494"/>
           </a:xfrm>
           <a:prstGeom prst="line">
             <a:avLst/>
@@ -5089,7 +5089,7 @@
         </p:nvCxnSpPr>
         <p:spPr>
           <a:xfrm>
-            <a:off x="3387224" y="2958652"/>
+            <a:off x="3382860" y="2945952"/>
             <a:ext cx="328999" cy="0"/>
           </a:xfrm>
           <a:prstGeom prst="line">
@@ -5132,7 +5132,7 @@
         </p:nvCxnSpPr>
         <p:spPr>
           <a:xfrm>
-            <a:off x="3393781" y="3296752"/>
+            <a:off x="3381293" y="3265002"/>
             <a:ext cx="328999" cy="0"/>
           </a:xfrm>
           <a:prstGeom prst="line">
@@ -5175,7 +5175,7 @@
         </p:nvCxnSpPr>
         <p:spPr>
           <a:xfrm>
-            <a:off x="3382860" y="3622187"/>
+            <a:off x="3376424" y="3552337"/>
             <a:ext cx="338735" cy="0"/>
           </a:xfrm>
           <a:prstGeom prst="line">
@@ -5231,8 +5231,8 @@
         </p:blipFill>
         <p:spPr bwMode="auto">
           <a:xfrm>
-            <a:off x="3710292" y="2777680"/>
-            <a:ext cx="360517" cy="360517"/>
+            <a:off x="3731260" y="2796981"/>
+            <a:ext cx="328999" cy="328999"/>
           </a:xfrm>
           <a:prstGeom prst="rect">
             <a:avLst/>
@@ -5278,8 +5278,8 @@
         </p:blipFill>
         <p:spPr bwMode="auto">
           <a:xfrm>
-            <a:off x="3737045" y="3492650"/>
-            <a:ext cx="360517" cy="360517"/>
+            <a:off x="3737069" y="3426592"/>
+            <a:ext cx="315022" cy="315022"/>
           </a:xfrm>
           <a:prstGeom prst="rect">
             <a:avLst/>
@@ -5310,7 +5310,7 @@
         </p:nvSpPr>
         <p:spPr>
           <a:xfrm>
-            <a:off x="4052833" y="3135028"/>
+            <a:off x="4025939" y="3451809"/>
             <a:ext cx="2495006" cy="307777"/>
           </a:xfrm>
           <a:prstGeom prst="rect">
@@ -5347,7 +5347,7 @@
         </p:nvSpPr>
         <p:spPr>
           <a:xfrm>
-            <a:off x="4055959" y="3457411"/>
+            <a:off x="4005871" y="3692580"/>
             <a:ext cx="2495006" cy="307777"/>
           </a:xfrm>
           <a:prstGeom prst="rect">
@@ -5584,7 +5584,7 @@
               <a:rPr lang="en-GB" dirty="0">
                 <a:latin typeface="Lucida Console" panose="020B0609040504020204" pitchFamily="49" charset="0"/>
               </a:rPr>
-              <a:t>outputs</a:t>
+              <a:t>output</a:t>
             </a:r>
           </a:p>
         </p:txBody>
@@ -5780,6 +5780,168 @@
             <a:r>
               <a:rPr lang="en-GB" dirty="0"/>
               <a:t>Main python script to download the data</a:t>
+            </a:r>
+          </a:p>
+        </p:txBody>
+      </p:sp>
+      <p:cxnSp>
+        <p:nvCxnSpPr>
+          <p:cNvPr id="66" name="Straight Connector 65">
+            <a:extLst>
+              <a:ext uri="{FF2B5EF4-FFF2-40B4-BE49-F238E27FC236}">
+                <a16:creationId xmlns:a16="http://schemas.microsoft.com/office/drawing/2014/main" id="{2B17FEC8-B453-4895-BFC1-81228F5323F1}"/>
+              </a:ext>
+            </a:extLst>
+          </p:cNvPr>
+          <p:cNvCxnSpPr>
+            <a:cxnSpLocks/>
+          </p:cNvCxnSpPr>
+          <p:nvPr/>
+        </p:nvCxnSpPr>
+        <p:spPr>
+          <a:xfrm>
+            <a:off x="3381293" y="3808474"/>
+            <a:ext cx="338735" cy="0"/>
+          </a:xfrm>
+          <a:prstGeom prst="line">
+            <a:avLst/>
+          </a:prstGeom>
+          <a:ln>
+            <a:solidFill>
+              <a:schemeClr val="tx1"/>
+            </a:solidFill>
+          </a:ln>
+        </p:spPr>
+        <p:style>
+          <a:lnRef idx="1">
+            <a:schemeClr val="accent1"/>
+          </a:lnRef>
+          <a:fillRef idx="0">
+            <a:schemeClr val="accent1"/>
+          </a:fillRef>
+          <a:effectRef idx="0">
+            <a:schemeClr val="accent1"/>
+          </a:effectRef>
+          <a:fontRef idx="minor">
+            <a:schemeClr val="tx1"/>
+          </a:fontRef>
+        </p:style>
+      </p:cxnSp>
+      <p:pic>
+        <p:nvPicPr>
+          <p:cNvPr id="67" name="Picture 4" descr="Résultat de recherche d'images pour &quot;folder logo&quot;">
+            <a:extLst>
+              <a:ext uri="{FF2B5EF4-FFF2-40B4-BE49-F238E27FC236}">
+                <a16:creationId xmlns:a16="http://schemas.microsoft.com/office/drawing/2014/main" id="{1A085CB5-8A50-4F73-A6E2-14054C691DB6}"/>
+              </a:ext>
+            </a:extLst>
+          </p:cNvPr>
+          <p:cNvPicPr>
+            <a:picLocks noChangeAspect="1" noChangeArrowheads="1"/>
+          </p:cNvPicPr>
+          <p:nvPr/>
+        </p:nvPicPr>
+        <p:blipFill>
+          <a:blip r:embed="rId2" cstate="hqprint">
+            <a:extLst>
+              <a:ext uri="{28A0092B-C50C-407E-A947-70E740481C1C}">
+                <a14:useLocalDpi xmlns:a14="http://schemas.microsoft.com/office/drawing/2010/main" val="0"/>
+              </a:ext>
+            </a:extLst>
+          </a:blip>
+          <a:srcRect/>
+          <a:stretch>
+            <a:fillRect/>
+          </a:stretch>
+        </p:blipFill>
+        <p:spPr bwMode="auto">
+          <a:xfrm>
+            <a:off x="3737069" y="3712365"/>
+            <a:ext cx="315022" cy="315022"/>
+          </a:xfrm>
+          <a:prstGeom prst="rect">
+            <a:avLst/>
+          </a:prstGeom>
+          <a:noFill/>
+          <a:extLst>
+            <a:ext uri="{909E8E84-426E-40DD-AFC4-6F175D3DCCD1}">
+              <a14:hiddenFill xmlns:a14="http://schemas.microsoft.com/office/drawing/2010/main">
+                <a:solidFill>
+                  <a:srgbClr val="FFFFFF"/>
+                </a:solidFill>
+              </a14:hiddenFill>
+            </a:ext>
+          </a:extLst>
+        </p:spPr>
+      </p:pic>
+      <p:sp>
+        <p:nvSpPr>
+          <p:cNvPr id="68" name="TextBox 67">
+            <a:extLst>
+              <a:ext uri="{FF2B5EF4-FFF2-40B4-BE49-F238E27FC236}">
+                <a16:creationId xmlns:a16="http://schemas.microsoft.com/office/drawing/2014/main" id="{5B924B93-B404-4EC3-90F6-2DE7F621AA23}"/>
+              </a:ext>
+            </a:extLst>
+          </p:cNvPr>
+          <p:cNvSpPr txBox="1"/>
+          <p:nvPr/>
+        </p:nvSpPr>
+        <p:spPr>
+          <a:xfrm>
+            <a:off x="3999162" y="2799402"/>
+            <a:ext cx="2495006" cy="307777"/>
+          </a:xfrm>
+          <a:prstGeom prst="rect">
+            <a:avLst/>
+          </a:prstGeom>
+          <a:noFill/>
+        </p:spPr>
+        <p:txBody>
+          <a:bodyPr wrap="square" rtlCol="0">
+            <a:spAutoFit/>
+          </a:bodyPr>
+          <a:lstStyle/>
+          <a:p>
+            <a:r>
+              <a:rPr lang="en-GB" sz="1400" dirty="0">
+                <a:latin typeface="Lucida Console" panose="020B0609040504020204" pitchFamily="49" charset="0"/>
+              </a:rPr>
+              <a:t>ADM00</a:t>
+            </a:r>
+          </a:p>
+        </p:txBody>
+      </p:sp>
+      <p:sp>
+        <p:nvSpPr>
+          <p:cNvPr id="69" name="TextBox 68">
+            <a:extLst>
+              <a:ext uri="{FF2B5EF4-FFF2-40B4-BE49-F238E27FC236}">
+                <a16:creationId xmlns:a16="http://schemas.microsoft.com/office/drawing/2014/main" id="{6CD28786-D5FF-4128-B194-18D268ED2E69}"/>
+              </a:ext>
+            </a:extLst>
+          </p:cNvPr>
+          <p:cNvSpPr txBox="1"/>
+          <p:nvPr/>
+        </p:nvSpPr>
+        <p:spPr>
+          <a:xfrm>
+            <a:off x="6661746" y="2730057"/>
+            <a:ext cx="4885508" cy="369332"/>
+          </a:xfrm>
+          <a:prstGeom prst="rect">
+            <a:avLst/>
+          </a:prstGeom>
+          <a:noFill/>
+        </p:spPr>
+        <p:txBody>
+          <a:bodyPr wrap="square" rtlCol="0">
+            <a:spAutoFit/>
+          </a:bodyPr>
+          <a:lstStyle/>
+          <a:p>
+            <a:r>
+              <a:rPr lang="en-GB" dirty="0"/>
+              <a:t>ADM00 shapefile </a:t>
             </a:r>
           </a:p>
         </p:txBody>
@@ -6052,8 +6214,8 @@
         </p:blipFill>
         <p:spPr bwMode="auto">
           <a:xfrm>
-            <a:off x="3729330" y="3122919"/>
-            <a:ext cx="360517" cy="360517"/>
+            <a:off x="3719800" y="3114907"/>
+            <a:ext cx="329000" cy="329000"/>
           </a:xfrm>
           <a:prstGeom prst="rect">
             <a:avLst/>
@@ -6232,7 +6394,7 @@
         </p:nvSpPr>
         <p:spPr>
           <a:xfrm>
-            <a:off x="4045701" y="2772665"/>
+            <a:off x="3999162" y="3122398"/>
             <a:ext cx="2495006" cy="307777"/>
           </a:xfrm>
           <a:prstGeom prst="rect">
@@ -6325,7 +6487,7 @@
         </p:nvSpPr>
         <p:spPr>
           <a:xfrm>
-            <a:off x="6641982" y="3079387"/>
+            <a:off x="6623823" y="3403755"/>
             <a:ext cx="4885508" cy="369332"/>
           </a:xfrm>
           <a:prstGeom prst="rect">
@@ -6354,7 +6516,7 @@
         </p:nvSpPr>
         <p:spPr>
           <a:xfrm>
-            <a:off x="6623823" y="2662549"/>
+            <a:off x="6623823" y="3064089"/>
             <a:ext cx="4885508" cy="369332"/>
           </a:xfrm>
           <a:prstGeom prst="rect">
@@ -6383,7 +6545,7 @@
         </p:nvSpPr>
         <p:spPr>
           <a:xfrm>
-            <a:off x="6641982" y="3442805"/>
+            <a:off x="6623823" y="3703424"/>
             <a:ext cx="4885508" cy="369332"/>
           </a:xfrm>
           <a:prstGeom prst="rect">
@@ -6779,8 +6941,8 @@
         </p:nvCxnSpPr>
         <p:spPr>
           <a:xfrm flipH="1">
-            <a:off x="3382860" y="2777643"/>
-            <a:ext cx="7" cy="844544"/>
+            <a:off x="3382867" y="2777643"/>
+            <a:ext cx="1" cy="1034494"/>
           </a:xfrm>
           <a:prstGeom prst="line">
             <a:avLst/>
@@ -6822,7 +6984,7 @@
         </p:nvCxnSpPr>
         <p:spPr>
           <a:xfrm>
-            <a:off x="3387224" y="2958652"/>
+            <a:off x="3382860" y="2945952"/>
             <a:ext cx="328999" cy="0"/>
           </a:xfrm>
           <a:prstGeom prst="line">
@@ -6865,7 +7027,7 @@
         </p:nvCxnSpPr>
         <p:spPr>
           <a:xfrm>
-            <a:off x="3393781" y="3296752"/>
+            <a:off x="3381293" y="3265002"/>
             <a:ext cx="328999" cy="0"/>
           </a:xfrm>
           <a:prstGeom prst="line">
@@ -6908,7 +7070,7 @@
         </p:nvCxnSpPr>
         <p:spPr>
           <a:xfrm>
-            <a:off x="3382860" y="3622187"/>
+            <a:off x="3376424" y="3552337"/>
             <a:ext cx="338735" cy="0"/>
           </a:xfrm>
           <a:prstGeom prst="line">
@@ -6964,8 +7126,8 @@
         </p:blipFill>
         <p:spPr bwMode="auto">
           <a:xfrm>
-            <a:off x="3710292" y="2777680"/>
-            <a:ext cx="360517" cy="360517"/>
+            <a:off x="3731260" y="2796981"/>
+            <a:ext cx="328999" cy="328999"/>
           </a:xfrm>
           <a:prstGeom prst="rect">
             <a:avLst/>
@@ -7011,8 +7173,8 @@
         </p:blipFill>
         <p:spPr bwMode="auto">
           <a:xfrm>
-            <a:off x="3737045" y="3492650"/>
-            <a:ext cx="360517" cy="360517"/>
+            <a:off x="3737069" y="3426592"/>
+            <a:ext cx="315022" cy="315022"/>
           </a:xfrm>
           <a:prstGeom prst="rect">
             <a:avLst/>
@@ -7043,7 +7205,7 @@
         </p:nvSpPr>
         <p:spPr>
           <a:xfrm>
-            <a:off x="4052833" y="3135028"/>
+            <a:off x="4025939" y="3451809"/>
             <a:ext cx="2495006" cy="307777"/>
           </a:xfrm>
           <a:prstGeom prst="rect">
@@ -7080,7 +7242,7 @@
         </p:nvSpPr>
         <p:spPr>
           <a:xfrm>
-            <a:off x="4055959" y="3457411"/>
+            <a:off x="4005871" y="3692580"/>
             <a:ext cx="2495006" cy="307777"/>
           </a:xfrm>
           <a:prstGeom prst="rect">
@@ -7317,7 +7479,7 @@
               <a:rPr lang="en-GB" dirty="0">
                 <a:latin typeface="Lucida Console" panose="020B0609040504020204" pitchFamily="49" charset="0"/>
               </a:rPr>
-              <a:t>outputs</a:t>
+              <a:t>output</a:t>
             </a:r>
           </a:p>
         </p:txBody>
@@ -7517,12 +7679,174 @@
           </a:p>
         </p:txBody>
       </p:sp>
-      <p:sp>
-        <p:nvSpPr>
-          <p:cNvPr id="66" name="Rectangle 65">
-            <a:extLst>
-              <a:ext uri="{FF2B5EF4-FFF2-40B4-BE49-F238E27FC236}">
-                <a16:creationId xmlns:a16="http://schemas.microsoft.com/office/drawing/2014/main" id="{1FCFA3C3-536E-4227-B6B4-B05D13FAC5C9}"/>
+      <p:cxnSp>
+        <p:nvCxnSpPr>
+          <p:cNvPr id="66" name="Straight Connector 65">
+            <a:extLst>
+              <a:ext uri="{FF2B5EF4-FFF2-40B4-BE49-F238E27FC236}">
+                <a16:creationId xmlns:a16="http://schemas.microsoft.com/office/drawing/2014/main" id="{2B17FEC8-B453-4895-BFC1-81228F5323F1}"/>
+              </a:ext>
+            </a:extLst>
+          </p:cNvPr>
+          <p:cNvCxnSpPr>
+            <a:cxnSpLocks/>
+          </p:cNvCxnSpPr>
+          <p:nvPr/>
+        </p:nvCxnSpPr>
+        <p:spPr>
+          <a:xfrm>
+            <a:off x="3381293" y="3808474"/>
+            <a:ext cx="338735" cy="0"/>
+          </a:xfrm>
+          <a:prstGeom prst="line">
+            <a:avLst/>
+          </a:prstGeom>
+          <a:ln>
+            <a:solidFill>
+              <a:schemeClr val="tx1"/>
+            </a:solidFill>
+          </a:ln>
+        </p:spPr>
+        <p:style>
+          <a:lnRef idx="1">
+            <a:schemeClr val="accent1"/>
+          </a:lnRef>
+          <a:fillRef idx="0">
+            <a:schemeClr val="accent1"/>
+          </a:fillRef>
+          <a:effectRef idx="0">
+            <a:schemeClr val="accent1"/>
+          </a:effectRef>
+          <a:fontRef idx="minor">
+            <a:schemeClr val="tx1"/>
+          </a:fontRef>
+        </p:style>
+      </p:cxnSp>
+      <p:pic>
+        <p:nvPicPr>
+          <p:cNvPr id="67" name="Picture 4" descr="Résultat de recherche d'images pour &quot;folder logo&quot;">
+            <a:extLst>
+              <a:ext uri="{FF2B5EF4-FFF2-40B4-BE49-F238E27FC236}">
+                <a16:creationId xmlns:a16="http://schemas.microsoft.com/office/drawing/2014/main" id="{1A085CB5-8A50-4F73-A6E2-14054C691DB6}"/>
+              </a:ext>
+            </a:extLst>
+          </p:cNvPr>
+          <p:cNvPicPr>
+            <a:picLocks noChangeAspect="1" noChangeArrowheads="1"/>
+          </p:cNvPicPr>
+          <p:nvPr/>
+        </p:nvPicPr>
+        <p:blipFill>
+          <a:blip r:embed="rId2" cstate="hqprint">
+            <a:extLst>
+              <a:ext uri="{28A0092B-C50C-407E-A947-70E740481C1C}">
+                <a14:useLocalDpi xmlns:a14="http://schemas.microsoft.com/office/drawing/2010/main" val="0"/>
+              </a:ext>
+            </a:extLst>
+          </a:blip>
+          <a:srcRect/>
+          <a:stretch>
+            <a:fillRect/>
+          </a:stretch>
+        </p:blipFill>
+        <p:spPr bwMode="auto">
+          <a:xfrm>
+            <a:off x="3737069" y="3712365"/>
+            <a:ext cx="315022" cy="315022"/>
+          </a:xfrm>
+          <a:prstGeom prst="rect">
+            <a:avLst/>
+          </a:prstGeom>
+          <a:noFill/>
+          <a:extLst>
+            <a:ext uri="{909E8E84-426E-40DD-AFC4-6F175D3DCCD1}">
+              <a14:hiddenFill xmlns:a14="http://schemas.microsoft.com/office/drawing/2010/main">
+                <a:solidFill>
+                  <a:srgbClr val="FFFFFF"/>
+                </a:solidFill>
+              </a14:hiddenFill>
+            </a:ext>
+          </a:extLst>
+        </p:spPr>
+      </p:pic>
+      <p:sp>
+        <p:nvSpPr>
+          <p:cNvPr id="68" name="TextBox 67">
+            <a:extLst>
+              <a:ext uri="{FF2B5EF4-FFF2-40B4-BE49-F238E27FC236}">
+                <a16:creationId xmlns:a16="http://schemas.microsoft.com/office/drawing/2014/main" id="{5B924B93-B404-4EC3-90F6-2DE7F621AA23}"/>
+              </a:ext>
+            </a:extLst>
+          </p:cNvPr>
+          <p:cNvSpPr txBox="1"/>
+          <p:nvPr/>
+        </p:nvSpPr>
+        <p:spPr>
+          <a:xfrm>
+            <a:off x="3999162" y="2799402"/>
+            <a:ext cx="2495006" cy="307777"/>
+          </a:xfrm>
+          <a:prstGeom prst="rect">
+            <a:avLst/>
+          </a:prstGeom>
+          <a:noFill/>
+        </p:spPr>
+        <p:txBody>
+          <a:bodyPr wrap="square" rtlCol="0">
+            <a:spAutoFit/>
+          </a:bodyPr>
+          <a:lstStyle/>
+          <a:p>
+            <a:r>
+              <a:rPr lang="en-GB" sz="1400" dirty="0">
+                <a:latin typeface="Lucida Console" panose="020B0609040504020204" pitchFamily="49" charset="0"/>
+              </a:rPr>
+              <a:t>ADM00</a:t>
+            </a:r>
+          </a:p>
+        </p:txBody>
+      </p:sp>
+      <p:sp>
+        <p:nvSpPr>
+          <p:cNvPr id="69" name="TextBox 68">
+            <a:extLst>
+              <a:ext uri="{FF2B5EF4-FFF2-40B4-BE49-F238E27FC236}">
+                <a16:creationId xmlns:a16="http://schemas.microsoft.com/office/drawing/2014/main" id="{6CD28786-D5FF-4128-B194-18D268ED2E69}"/>
+              </a:ext>
+            </a:extLst>
+          </p:cNvPr>
+          <p:cNvSpPr txBox="1"/>
+          <p:nvPr/>
+        </p:nvSpPr>
+        <p:spPr>
+          <a:xfrm>
+            <a:off x="6661746" y="2730057"/>
+            <a:ext cx="4885508" cy="369332"/>
+          </a:xfrm>
+          <a:prstGeom prst="rect">
+            <a:avLst/>
+          </a:prstGeom>
+          <a:noFill/>
+        </p:spPr>
+        <p:txBody>
+          <a:bodyPr wrap="square" rtlCol="0">
+            <a:spAutoFit/>
+          </a:bodyPr>
+          <a:lstStyle/>
+          <a:p>
+            <a:r>
+              <a:rPr lang="en-GB" dirty="0"/>
+              <a:t>ADM00 shapefile </a:t>
+            </a:r>
+          </a:p>
+        </p:txBody>
+      </p:sp>
+      <p:sp>
+        <p:nvSpPr>
+          <p:cNvPr id="70" name="Rectangle 69">
+            <a:extLst>
+              <a:ext uri="{FF2B5EF4-FFF2-40B4-BE49-F238E27FC236}">
+                <a16:creationId xmlns:a16="http://schemas.microsoft.com/office/drawing/2014/main" id="{5049E1EA-3DAE-4580-94DE-F326C0C75DB8}"/>
               </a:ext>
             </a:extLst>
           </p:cNvPr>
@@ -7531,8 +7855,8 @@
         </p:nvSpPr>
         <p:spPr>
           <a:xfrm>
-            <a:off x="6623823" y="3079387"/>
-            <a:ext cx="2202543" cy="746733"/>
+            <a:off x="6641982" y="3439055"/>
+            <a:ext cx="2039037" cy="629382"/>
           </a:xfrm>
           <a:prstGeom prst="rect">
             <a:avLst/>
@@ -7575,10 +7899,10 @@
       </p:sp>
       <p:sp>
         <p:nvSpPr>
-          <p:cNvPr id="67" name="Rectangle 66">
-            <a:extLst>
-              <a:ext uri="{FF2B5EF4-FFF2-40B4-BE49-F238E27FC236}">
-                <a16:creationId xmlns:a16="http://schemas.microsoft.com/office/drawing/2014/main" id="{1C0CDDAF-89DD-46FB-8EB4-9FE1BCE3788C}"/>
+          <p:cNvPr id="71" name="Rectangle 70">
+            <a:extLst>
+              <a:ext uri="{FF2B5EF4-FFF2-40B4-BE49-F238E27FC236}">
+                <a16:creationId xmlns:a16="http://schemas.microsoft.com/office/drawing/2014/main" id="{679655A4-E3F3-4649-9E23-9AB1E27461A0}"/>
               </a:ext>
             </a:extLst>
           </p:cNvPr>
@@ -7587,7 +7911,7 @@
         </p:nvSpPr>
         <p:spPr>
           <a:xfrm>
-            <a:off x="6623823" y="2664066"/>
+            <a:off x="6650287" y="3082488"/>
             <a:ext cx="1422897" cy="320308"/>
           </a:xfrm>
           <a:prstGeom prst="rect">
@@ -7631,10 +7955,10 @@
       </p:sp>
       <p:sp>
         <p:nvSpPr>
-          <p:cNvPr id="68" name="TextBox 67">
-            <a:extLst>
-              <a:ext uri="{FF2B5EF4-FFF2-40B4-BE49-F238E27FC236}">
-                <a16:creationId xmlns:a16="http://schemas.microsoft.com/office/drawing/2014/main" id="{8B691537-DCD9-41F7-909B-37A33D788E98}"/>
+          <p:cNvPr id="72" name="TextBox 71">
+            <a:extLst>
+              <a:ext uri="{FF2B5EF4-FFF2-40B4-BE49-F238E27FC236}">
+                <a16:creationId xmlns:a16="http://schemas.microsoft.com/office/drawing/2014/main" id="{AEBA4437-7215-4522-A954-7408FF2C0CE8}"/>
               </a:ext>
             </a:extLst>
           </p:cNvPr>
@@ -7643,7 +7967,7 @@
         </p:nvSpPr>
         <p:spPr>
           <a:xfrm>
-            <a:off x="6485204" y="2206328"/>
+            <a:off x="6546345" y="2454559"/>
             <a:ext cx="4250791" cy="369332"/>
           </a:xfrm>
           <a:prstGeom prst="rect">
@@ -7671,7 +7995,7 @@
     </p:spTree>
     <p:extLst>
       <p:ext uri="{BB962C8B-B14F-4D97-AF65-F5344CB8AC3E}">
-        <p14:creationId xmlns:p14="http://schemas.microsoft.com/office/powerpoint/2010/main" val="4112593060"/>
+        <p14:creationId xmlns:p14="http://schemas.microsoft.com/office/powerpoint/2010/main" val="2795513758"/>
       </p:ext>
     </p:extLst>
   </p:cSld>
